--- a/设计/网页设计.pptx
+++ b/设计/网页设计.pptx
@@ -9,6 +9,7 @@
     <p:sldId id="257" r:id="rId3"/>
     <p:sldId id="258" r:id="rId4"/>
     <p:sldId id="259" r:id="rId5"/>
+    <p:sldId id="260" r:id="rId6"/>
   </p:sldIdLst>
   <p:sldSz cx="12192000" cy="6858000"/>
   <p:notesSz cx="6858000" cy="9144000"/>
@@ -262,7 +263,7 @@
           <a:p>
             <a:fld id="{82266609-D7C2-EA44-B21B-3FA5DEBB1C12}" type="datetimeFigureOut">
               <a:rPr lang="en-US" altLang="zh-CN"/>
-              <a:t>12/3/2023</a:t>
+              <a:t>12/11/2023</a:t>
             </a:fld>
             <a:endParaRPr lang="zh-CN" altLang="en-US"/>
           </a:p>
@@ -460,7 +461,7 @@
           <a:p>
             <a:fld id="{82266609-D7C2-EA44-B21B-3FA5DEBB1C12}" type="datetimeFigureOut">
               <a:rPr lang="en-US" altLang="zh-CN"/>
-              <a:t>12/3/2023</a:t>
+              <a:t>12/11/2023</a:t>
             </a:fld>
             <a:endParaRPr lang="zh-CN" altLang="en-US"/>
           </a:p>
@@ -668,7 +669,7 @@
           <a:p>
             <a:fld id="{82266609-D7C2-EA44-B21B-3FA5DEBB1C12}" type="datetimeFigureOut">
               <a:rPr lang="en-US" altLang="zh-CN"/>
-              <a:t>12/3/2023</a:t>
+              <a:t>12/11/2023</a:t>
             </a:fld>
             <a:endParaRPr lang="zh-CN" altLang="en-US"/>
           </a:p>
@@ -866,7 +867,7 @@
           <a:p>
             <a:fld id="{82266609-D7C2-EA44-B21B-3FA5DEBB1C12}" type="datetimeFigureOut">
               <a:rPr lang="en-US" altLang="zh-CN"/>
-              <a:t>12/3/2023</a:t>
+              <a:t>12/11/2023</a:t>
             </a:fld>
             <a:endParaRPr lang="zh-CN" altLang="en-US"/>
           </a:p>
@@ -1141,7 +1142,7 @@
           <a:p>
             <a:fld id="{82266609-D7C2-EA44-B21B-3FA5DEBB1C12}" type="datetimeFigureOut">
               <a:rPr lang="en-US" altLang="zh-CN"/>
-              <a:t>12/3/2023</a:t>
+              <a:t>12/11/2023</a:t>
             </a:fld>
             <a:endParaRPr lang="zh-CN" altLang="en-US"/>
           </a:p>
@@ -1406,7 +1407,7 @@
           <a:p>
             <a:fld id="{82266609-D7C2-EA44-B21B-3FA5DEBB1C12}" type="datetimeFigureOut">
               <a:rPr lang="en-US" altLang="zh-CN"/>
-              <a:t>12/3/2023</a:t>
+              <a:t>12/11/2023</a:t>
             </a:fld>
             <a:endParaRPr lang="zh-CN" altLang="en-US"/>
           </a:p>
@@ -1818,7 +1819,7 @@
           <a:p>
             <a:fld id="{82266609-D7C2-EA44-B21B-3FA5DEBB1C12}" type="datetimeFigureOut">
               <a:rPr lang="en-US" altLang="zh-CN"/>
-              <a:t>12/3/2023</a:t>
+              <a:t>12/11/2023</a:t>
             </a:fld>
             <a:endParaRPr lang="zh-CN" altLang="en-US"/>
           </a:p>
@@ -1959,7 +1960,7 @@
           <a:p>
             <a:fld id="{82266609-D7C2-EA44-B21B-3FA5DEBB1C12}" type="datetimeFigureOut">
               <a:rPr lang="en-US" altLang="zh-CN"/>
-              <a:t>12/3/2023</a:t>
+              <a:t>12/11/2023</a:t>
             </a:fld>
             <a:endParaRPr lang="zh-CN" altLang="en-US"/>
           </a:p>
@@ -2072,7 +2073,7 @@
           <a:p>
             <a:fld id="{82266609-D7C2-EA44-B21B-3FA5DEBB1C12}" type="datetimeFigureOut">
               <a:rPr lang="en-US" altLang="zh-CN"/>
-              <a:t>12/3/2023</a:t>
+              <a:t>12/11/2023</a:t>
             </a:fld>
             <a:endParaRPr lang="zh-CN" altLang="en-US"/>
           </a:p>
@@ -2383,7 +2384,7 @@
           <a:p>
             <a:fld id="{82266609-D7C2-EA44-B21B-3FA5DEBB1C12}" type="datetimeFigureOut">
               <a:rPr lang="en-US" altLang="zh-CN"/>
-              <a:t>12/3/2023</a:t>
+              <a:t>12/11/2023</a:t>
             </a:fld>
             <a:endParaRPr lang="zh-CN" altLang="en-US"/>
           </a:p>
@@ -2671,7 +2672,7 @@
           <a:p>
             <a:fld id="{82266609-D7C2-EA44-B21B-3FA5DEBB1C12}" type="datetimeFigureOut">
               <a:rPr lang="en-US" altLang="zh-CN"/>
-              <a:t>12/3/2023</a:t>
+              <a:t>12/11/2023</a:t>
             </a:fld>
             <a:endParaRPr lang="zh-CN" altLang="en-US"/>
           </a:p>
@@ -2912,7 +2913,7 @@
           <a:p>
             <a:fld id="{82266609-D7C2-EA44-B21B-3FA5DEBB1C12}" type="datetimeFigureOut">
               <a:rPr lang="en-US" altLang="zh-CN"/>
-              <a:t>12/3/2023</a:t>
+              <a:t>12/11/2023</a:t>
             </a:fld>
             <a:endParaRPr lang="zh-CN" altLang="en-US"/>
           </a:p>
@@ -7483,6 +7484,829 @@
 </p:sld>
 </file>
 
+<file path=ppt/slides/slide5.xml><?xml version="1.0" encoding="utf-8"?>
+<p:sld xmlns:a="http://schemas.openxmlformats.org/drawingml/2006/main" xmlns:r="http://schemas.openxmlformats.org/officeDocument/2006/relationships" xmlns:p="http://schemas.openxmlformats.org/presentationml/2006/main">
+  <p:cSld>
+    <p:spTree>
+      <p:nvGrpSpPr>
+        <p:cNvPr id="1" name=""/>
+        <p:cNvGrpSpPr/>
+        <p:nvPr/>
+      </p:nvGrpSpPr>
+      <p:grpSpPr>
+        <a:xfrm>
+          <a:off x="0" y="0"/>
+          <a:ext cx="0" cy="0"/>
+          <a:chOff x="0" y="0"/>
+          <a:chExt cx="0" cy="0"/>
+        </a:xfrm>
+      </p:grpSpPr>
+      <p:sp>
+        <p:nvSpPr>
+          <p:cNvPr id="4" name="矩形 3">
+            <a:extLst>
+              <a:ext uri="{FF2B5EF4-FFF2-40B4-BE49-F238E27FC236}">
+                <a16:creationId xmlns:a16="http://schemas.microsoft.com/office/drawing/2014/main" id="{14187BB3-7619-3F87-ECBA-2D63394AE785}"/>
+              </a:ext>
+            </a:extLst>
+          </p:cNvPr>
+          <p:cNvSpPr/>
+          <p:nvPr/>
+        </p:nvSpPr>
+        <p:spPr>
+          <a:xfrm>
+            <a:off x="4175187" y="1328469"/>
+            <a:ext cx="3994030" cy="4537494"/>
+          </a:xfrm>
+          <a:prstGeom prst="rect">
+            <a:avLst/>
+          </a:prstGeom>
+          <a:noFill/>
+        </p:spPr>
+        <p:style>
+          <a:lnRef idx="2">
+            <a:schemeClr val="accent1">
+              <a:shade val="15000"/>
+            </a:schemeClr>
+          </a:lnRef>
+          <a:fillRef idx="1">
+            <a:schemeClr val="accent1"/>
+          </a:fillRef>
+          <a:effectRef idx="0">
+            <a:schemeClr val="accent1"/>
+          </a:effectRef>
+          <a:fontRef idx="minor">
+            <a:schemeClr val="lt1"/>
+          </a:fontRef>
+        </p:style>
+        <p:txBody>
+          <a:bodyPr rtlCol="0" anchor="ctr"/>
+          <a:lstStyle/>
+          <a:p>
+            <a:pPr algn="ctr"/>
+            <a:endParaRPr lang="zh-CN" altLang="en-US"/>
+          </a:p>
+        </p:txBody>
+      </p:sp>
+      <p:sp>
+        <p:nvSpPr>
+          <p:cNvPr id="5" name="椭圆 4">
+            <a:extLst>
+              <a:ext uri="{FF2B5EF4-FFF2-40B4-BE49-F238E27FC236}">
+                <a16:creationId xmlns:a16="http://schemas.microsoft.com/office/drawing/2014/main" id="{5074697D-78BF-E0CB-D635-234A44627F7D}"/>
+              </a:ext>
+            </a:extLst>
+          </p:cNvPr>
+          <p:cNvSpPr/>
+          <p:nvPr/>
+        </p:nvSpPr>
+        <p:spPr>
+          <a:xfrm>
+            <a:off x="5457645" y="577969"/>
+            <a:ext cx="1411856" cy="1380226"/>
+          </a:xfrm>
+          <a:prstGeom prst="ellipse">
+            <a:avLst/>
+          </a:prstGeom>
+          <a:noFill/>
+        </p:spPr>
+        <p:style>
+          <a:lnRef idx="2">
+            <a:schemeClr val="accent1">
+              <a:shade val="15000"/>
+            </a:schemeClr>
+          </a:lnRef>
+          <a:fillRef idx="1">
+            <a:schemeClr val="accent1"/>
+          </a:fillRef>
+          <a:effectRef idx="0">
+            <a:schemeClr val="accent1"/>
+          </a:effectRef>
+          <a:fontRef idx="minor">
+            <a:schemeClr val="lt1"/>
+          </a:fontRef>
+        </p:style>
+        <p:txBody>
+          <a:bodyPr rtlCol="0" anchor="ctr"/>
+          <a:lstStyle/>
+          <a:p>
+            <a:pPr algn="ctr"/>
+            <a:endParaRPr lang="zh-CN" altLang="en-US"/>
+          </a:p>
+        </p:txBody>
+      </p:sp>
+      <p:sp>
+        <p:nvSpPr>
+          <p:cNvPr id="6" name="矩形 5">
+            <a:extLst>
+              <a:ext uri="{FF2B5EF4-FFF2-40B4-BE49-F238E27FC236}">
+                <a16:creationId xmlns:a16="http://schemas.microsoft.com/office/drawing/2014/main" id="{B7212DFD-62EB-3FF9-01D4-D774F456ED65}"/>
+              </a:ext>
+            </a:extLst>
+          </p:cNvPr>
+          <p:cNvSpPr/>
+          <p:nvPr/>
+        </p:nvSpPr>
+        <p:spPr>
+          <a:xfrm>
+            <a:off x="4511614" y="2518953"/>
+            <a:ext cx="3303917" cy="215661"/>
+          </a:xfrm>
+          <a:prstGeom prst="rect">
+            <a:avLst/>
+          </a:prstGeom>
+          <a:noFill/>
+        </p:spPr>
+        <p:style>
+          <a:lnRef idx="2">
+            <a:schemeClr val="accent1">
+              <a:shade val="15000"/>
+            </a:schemeClr>
+          </a:lnRef>
+          <a:fillRef idx="1">
+            <a:schemeClr val="accent1"/>
+          </a:fillRef>
+          <a:effectRef idx="0">
+            <a:schemeClr val="accent1"/>
+          </a:effectRef>
+          <a:fontRef idx="minor">
+            <a:schemeClr val="lt1"/>
+          </a:fontRef>
+        </p:style>
+        <p:txBody>
+          <a:bodyPr rtlCol="0" anchor="ctr"/>
+          <a:lstStyle/>
+          <a:p>
+            <a:pPr algn="ctr"/>
+            <a:endParaRPr lang="zh-CN" altLang="en-US"/>
+          </a:p>
+        </p:txBody>
+      </p:sp>
+      <p:sp>
+        <p:nvSpPr>
+          <p:cNvPr id="7" name="矩形 6">
+            <a:extLst>
+              <a:ext uri="{FF2B5EF4-FFF2-40B4-BE49-F238E27FC236}">
+                <a16:creationId xmlns:a16="http://schemas.microsoft.com/office/drawing/2014/main" id="{239F7599-6ABF-A4D2-D19B-1613D06772B3}"/>
+              </a:ext>
+            </a:extLst>
+          </p:cNvPr>
+          <p:cNvSpPr/>
+          <p:nvPr/>
+        </p:nvSpPr>
+        <p:spPr>
+          <a:xfrm>
+            <a:off x="4520243" y="2967527"/>
+            <a:ext cx="500330" cy="560717"/>
+          </a:xfrm>
+          <a:prstGeom prst="rect">
+            <a:avLst/>
+          </a:prstGeom>
+          <a:noFill/>
+        </p:spPr>
+        <p:style>
+          <a:lnRef idx="2">
+            <a:schemeClr val="accent1">
+              <a:shade val="15000"/>
+            </a:schemeClr>
+          </a:lnRef>
+          <a:fillRef idx="1">
+            <a:schemeClr val="accent1"/>
+          </a:fillRef>
+          <a:effectRef idx="0">
+            <a:schemeClr val="accent1"/>
+          </a:effectRef>
+          <a:fontRef idx="minor">
+            <a:schemeClr val="lt1"/>
+          </a:fontRef>
+        </p:style>
+        <p:txBody>
+          <a:bodyPr rtlCol="0" anchor="ctr"/>
+          <a:lstStyle/>
+          <a:p>
+            <a:pPr algn="ctr"/>
+            <a:endParaRPr lang="zh-CN" altLang="en-US"/>
+          </a:p>
+        </p:txBody>
+      </p:sp>
+      <p:sp>
+        <p:nvSpPr>
+          <p:cNvPr id="10" name="矩形 9">
+            <a:extLst>
+              <a:ext uri="{FF2B5EF4-FFF2-40B4-BE49-F238E27FC236}">
+                <a16:creationId xmlns:a16="http://schemas.microsoft.com/office/drawing/2014/main" id="{22609302-2E13-8EAE-DC61-6FFE89DF2F1F}"/>
+              </a:ext>
+            </a:extLst>
+          </p:cNvPr>
+          <p:cNvSpPr/>
+          <p:nvPr/>
+        </p:nvSpPr>
+        <p:spPr>
+          <a:xfrm>
+            <a:off x="7315201" y="2967528"/>
+            <a:ext cx="500330" cy="560717"/>
+          </a:xfrm>
+          <a:prstGeom prst="rect">
+            <a:avLst/>
+          </a:prstGeom>
+          <a:noFill/>
+        </p:spPr>
+        <p:style>
+          <a:lnRef idx="2">
+            <a:schemeClr val="accent1">
+              <a:shade val="15000"/>
+            </a:schemeClr>
+          </a:lnRef>
+          <a:fillRef idx="1">
+            <a:schemeClr val="accent1"/>
+          </a:fillRef>
+          <a:effectRef idx="0">
+            <a:schemeClr val="accent1"/>
+          </a:effectRef>
+          <a:fontRef idx="minor">
+            <a:schemeClr val="lt1"/>
+          </a:fontRef>
+        </p:style>
+        <p:txBody>
+          <a:bodyPr rtlCol="0" anchor="ctr"/>
+          <a:lstStyle/>
+          <a:p>
+            <a:pPr algn="ctr"/>
+            <a:endParaRPr lang="zh-CN" altLang="en-US"/>
+          </a:p>
+        </p:txBody>
+      </p:sp>
+      <p:sp>
+        <p:nvSpPr>
+          <p:cNvPr id="11" name="矩形 10">
+            <a:extLst>
+              <a:ext uri="{FF2B5EF4-FFF2-40B4-BE49-F238E27FC236}">
+                <a16:creationId xmlns:a16="http://schemas.microsoft.com/office/drawing/2014/main" id="{3FDBE30A-F164-791F-D0E0-9692DC58D754}"/>
+              </a:ext>
+            </a:extLst>
+          </p:cNvPr>
+          <p:cNvSpPr/>
+          <p:nvPr/>
+        </p:nvSpPr>
+        <p:spPr>
+          <a:xfrm>
+            <a:off x="5904778" y="2967528"/>
+            <a:ext cx="500330" cy="560717"/>
+          </a:xfrm>
+          <a:prstGeom prst="rect">
+            <a:avLst/>
+          </a:prstGeom>
+          <a:noFill/>
+        </p:spPr>
+        <p:style>
+          <a:lnRef idx="2">
+            <a:schemeClr val="accent1">
+              <a:shade val="15000"/>
+            </a:schemeClr>
+          </a:lnRef>
+          <a:fillRef idx="1">
+            <a:schemeClr val="accent1"/>
+          </a:fillRef>
+          <a:effectRef idx="0">
+            <a:schemeClr val="accent1"/>
+          </a:effectRef>
+          <a:fontRef idx="minor">
+            <a:schemeClr val="lt1"/>
+          </a:fontRef>
+        </p:style>
+        <p:txBody>
+          <a:bodyPr rtlCol="0" anchor="ctr"/>
+          <a:lstStyle/>
+          <a:p>
+            <a:pPr algn="ctr"/>
+            <a:endParaRPr lang="zh-CN" altLang="en-US"/>
+          </a:p>
+        </p:txBody>
+      </p:sp>
+      <p:sp>
+        <p:nvSpPr>
+          <p:cNvPr id="12" name="文本框 11">
+            <a:extLst>
+              <a:ext uri="{FF2B5EF4-FFF2-40B4-BE49-F238E27FC236}">
+                <a16:creationId xmlns:a16="http://schemas.microsoft.com/office/drawing/2014/main" id="{58CFE776-750F-F175-07EB-445150BE6C92}"/>
+              </a:ext>
+            </a:extLst>
+          </p:cNvPr>
+          <p:cNvSpPr txBox="1"/>
+          <p:nvPr/>
+        </p:nvSpPr>
+        <p:spPr>
+          <a:xfrm>
+            <a:off x="4520243" y="2501786"/>
+            <a:ext cx="3303917" cy="261610"/>
+          </a:xfrm>
+          <a:prstGeom prst="rect">
+            <a:avLst/>
+          </a:prstGeom>
+          <a:noFill/>
+        </p:spPr>
+        <p:txBody>
+          <a:bodyPr wrap="square" rtlCol="0">
+            <a:spAutoFit/>
+          </a:bodyPr>
+          <a:lstStyle/>
+          <a:p>
+            <a:pPr algn="ctr"/>
+            <a:r>
+              <a:rPr lang="zh-CN" altLang="en-US" sz="1050">
+                <a:latin typeface="楷体" panose="02010609060101010101" pitchFamily="49" charset="-122"/>
+                <a:ea typeface="楷体" panose="02010609060101010101" pitchFamily="49" charset="-122"/>
+              </a:rPr>
+              <a:t>经验等级</a:t>
+            </a:r>
+          </a:p>
+        </p:txBody>
+      </p:sp>
+      <p:sp>
+        <p:nvSpPr>
+          <p:cNvPr id="13" name="文本框 12">
+            <a:extLst>
+              <a:ext uri="{FF2B5EF4-FFF2-40B4-BE49-F238E27FC236}">
+                <a16:creationId xmlns:a16="http://schemas.microsoft.com/office/drawing/2014/main" id="{6C015590-7264-00FE-AA5B-2FE44337B865}"/>
+              </a:ext>
+            </a:extLst>
+          </p:cNvPr>
+          <p:cNvSpPr txBox="1"/>
+          <p:nvPr/>
+        </p:nvSpPr>
+        <p:spPr>
+          <a:xfrm>
+            <a:off x="4511614" y="3130124"/>
+            <a:ext cx="500330" cy="276999"/>
+          </a:xfrm>
+          <a:prstGeom prst="rect">
+            <a:avLst/>
+          </a:prstGeom>
+          <a:noFill/>
+        </p:spPr>
+        <p:txBody>
+          <a:bodyPr wrap="square" rtlCol="0">
+            <a:spAutoFit/>
+          </a:bodyPr>
+          <a:lstStyle/>
+          <a:p>
+            <a:r>
+              <a:rPr lang="zh-CN" altLang="en-US" sz="1200"/>
+              <a:t>关注</a:t>
+            </a:r>
+          </a:p>
+        </p:txBody>
+      </p:sp>
+      <p:sp>
+        <p:nvSpPr>
+          <p:cNvPr id="14" name="文本框 13">
+            <a:extLst>
+              <a:ext uri="{FF2B5EF4-FFF2-40B4-BE49-F238E27FC236}">
+                <a16:creationId xmlns:a16="http://schemas.microsoft.com/office/drawing/2014/main" id="{F4149E37-78D4-4597-9764-E02B780CF041}"/>
+              </a:ext>
+            </a:extLst>
+          </p:cNvPr>
+          <p:cNvSpPr txBox="1"/>
+          <p:nvPr/>
+        </p:nvSpPr>
+        <p:spPr>
+          <a:xfrm>
+            <a:off x="5922036" y="3130125"/>
+            <a:ext cx="500330" cy="276999"/>
+          </a:xfrm>
+          <a:prstGeom prst="rect">
+            <a:avLst/>
+          </a:prstGeom>
+          <a:noFill/>
+        </p:spPr>
+        <p:txBody>
+          <a:bodyPr wrap="square" rtlCol="0">
+            <a:spAutoFit/>
+          </a:bodyPr>
+          <a:lstStyle/>
+          <a:p>
+            <a:r>
+              <a:rPr lang="zh-CN" altLang="en-US" sz="1200"/>
+              <a:t>粉丝</a:t>
+            </a:r>
+          </a:p>
+        </p:txBody>
+      </p:sp>
+      <p:sp>
+        <p:nvSpPr>
+          <p:cNvPr id="15" name="文本框 14">
+            <a:extLst>
+              <a:ext uri="{FF2B5EF4-FFF2-40B4-BE49-F238E27FC236}">
+                <a16:creationId xmlns:a16="http://schemas.microsoft.com/office/drawing/2014/main" id="{F2A3F09F-51BB-BC6A-632B-128669D59A20}"/>
+              </a:ext>
+            </a:extLst>
+          </p:cNvPr>
+          <p:cNvSpPr txBox="1"/>
+          <p:nvPr/>
+        </p:nvSpPr>
+        <p:spPr>
+          <a:xfrm>
+            <a:off x="7308011" y="3109385"/>
+            <a:ext cx="500330" cy="276999"/>
+          </a:xfrm>
+          <a:prstGeom prst="rect">
+            <a:avLst/>
+          </a:prstGeom>
+          <a:noFill/>
+        </p:spPr>
+        <p:txBody>
+          <a:bodyPr wrap="square" rtlCol="0">
+            <a:spAutoFit/>
+          </a:bodyPr>
+          <a:lstStyle/>
+          <a:p>
+            <a:r>
+              <a:rPr lang="zh-CN" altLang="en-US" sz="1200"/>
+              <a:t>粉丝</a:t>
+            </a:r>
+          </a:p>
+        </p:txBody>
+      </p:sp>
+      <p:sp>
+        <p:nvSpPr>
+          <p:cNvPr id="16" name="文本框 15">
+            <a:extLst>
+              <a:ext uri="{FF2B5EF4-FFF2-40B4-BE49-F238E27FC236}">
+                <a16:creationId xmlns:a16="http://schemas.microsoft.com/office/drawing/2014/main" id="{8B1ACAF2-1761-41E2-6308-46D3234AEA30}"/>
+              </a:ext>
+            </a:extLst>
+          </p:cNvPr>
+          <p:cNvSpPr txBox="1"/>
+          <p:nvPr/>
+        </p:nvSpPr>
+        <p:spPr>
+          <a:xfrm>
+            <a:off x="5568350" y="1971284"/>
+            <a:ext cx="1411856" cy="369332"/>
+          </a:xfrm>
+          <a:prstGeom prst="rect">
+            <a:avLst/>
+          </a:prstGeom>
+          <a:noFill/>
+        </p:spPr>
+        <p:txBody>
+          <a:bodyPr wrap="square" rtlCol="0">
+            <a:spAutoFit/>
+          </a:bodyPr>
+          <a:lstStyle/>
+          <a:p>
+            <a:pPr algn="ctr"/>
+            <a:r>
+              <a:rPr lang="zh-CN" altLang="en-US">
+                <a:latin typeface="楷体" panose="02010609060101010101" pitchFamily="49" charset="-122"/>
+                <a:ea typeface="楷体" panose="02010609060101010101" pitchFamily="49" charset="-122"/>
+              </a:rPr>
+              <a:t>昵称</a:t>
+            </a:r>
+          </a:p>
+        </p:txBody>
+      </p:sp>
+      <p:sp>
+        <p:nvSpPr>
+          <p:cNvPr id="18" name="文本框 17">
+            <a:extLst>
+              <a:ext uri="{FF2B5EF4-FFF2-40B4-BE49-F238E27FC236}">
+                <a16:creationId xmlns:a16="http://schemas.microsoft.com/office/drawing/2014/main" id="{35E1DF96-7CFF-6E08-A86F-B72DCCF23AA3}"/>
+              </a:ext>
+            </a:extLst>
+          </p:cNvPr>
+          <p:cNvSpPr txBox="1"/>
+          <p:nvPr/>
+        </p:nvSpPr>
+        <p:spPr>
+          <a:xfrm>
+            <a:off x="4520243" y="3864632"/>
+            <a:ext cx="3303917" cy="276999"/>
+          </a:xfrm>
+          <a:prstGeom prst="rect">
+            <a:avLst/>
+          </a:prstGeom>
+          <a:noFill/>
+        </p:spPr>
+        <p:txBody>
+          <a:bodyPr wrap="square" rtlCol="0">
+            <a:spAutoFit/>
+          </a:bodyPr>
+          <a:lstStyle/>
+          <a:p>
+            <a:r>
+              <a:rPr lang="zh-CN" altLang="en-US" sz="1200"/>
+              <a:t>手机号码：</a:t>
+            </a:r>
+          </a:p>
+        </p:txBody>
+      </p:sp>
+      <p:sp>
+        <p:nvSpPr>
+          <p:cNvPr id="19" name="文本框 18">
+            <a:extLst>
+              <a:ext uri="{FF2B5EF4-FFF2-40B4-BE49-F238E27FC236}">
+                <a16:creationId xmlns:a16="http://schemas.microsoft.com/office/drawing/2014/main" id="{3AF06DE4-F58C-23CC-AB29-1D8851F60548}"/>
+              </a:ext>
+            </a:extLst>
+          </p:cNvPr>
+          <p:cNvSpPr txBox="1"/>
+          <p:nvPr/>
+        </p:nvSpPr>
+        <p:spPr>
+          <a:xfrm>
+            <a:off x="4520243" y="4753630"/>
+            <a:ext cx="3303917" cy="276999"/>
+          </a:xfrm>
+          <a:prstGeom prst="rect">
+            <a:avLst/>
+          </a:prstGeom>
+          <a:noFill/>
+        </p:spPr>
+        <p:txBody>
+          <a:bodyPr wrap="square" rtlCol="0">
+            <a:spAutoFit/>
+          </a:bodyPr>
+          <a:lstStyle/>
+          <a:p>
+            <a:r>
+              <a:rPr lang="zh-CN" altLang="en-US" sz="1200"/>
+              <a:t>密码：</a:t>
+            </a:r>
+          </a:p>
+        </p:txBody>
+      </p:sp>
+      <p:sp>
+        <p:nvSpPr>
+          <p:cNvPr id="20" name="文本框 19">
+            <a:extLst>
+              <a:ext uri="{FF2B5EF4-FFF2-40B4-BE49-F238E27FC236}">
+                <a16:creationId xmlns:a16="http://schemas.microsoft.com/office/drawing/2014/main" id="{6EA3732A-BE8A-7120-EA22-B511F965003A}"/>
+              </a:ext>
+            </a:extLst>
+          </p:cNvPr>
+          <p:cNvSpPr txBox="1"/>
+          <p:nvPr/>
+        </p:nvSpPr>
+        <p:spPr>
+          <a:xfrm>
+            <a:off x="4511614" y="5218980"/>
+            <a:ext cx="3303917" cy="276999"/>
+          </a:xfrm>
+          <a:prstGeom prst="rect">
+            <a:avLst/>
+          </a:prstGeom>
+          <a:noFill/>
+        </p:spPr>
+        <p:txBody>
+          <a:bodyPr wrap="square" rtlCol="0">
+            <a:spAutoFit/>
+          </a:bodyPr>
+          <a:lstStyle/>
+          <a:p>
+            <a:r>
+              <a:rPr lang="zh-CN" altLang="en-US" sz="1200"/>
+              <a:t>退出登录：</a:t>
+            </a:r>
+          </a:p>
+        </p:txBody>
+      </p:sp>
+      <p:sp>
+        <p:nvSpPr>
+          <p:cNvPr id="21" name="文本框 20">
+            <a:extLst>
+              <a:ext uri="{FF2B5EF4-FFF2-40B4-BE49-F238E27FC236}">
+                <a16:creationId xmlns:a16="http://schemas.microsoft.com/office/drawing/2014/main" id="{45E7E8E4-0658-C7D9-3B23-67D4AF9AF065}"/>
+              </a:ext>
+            </a:extLst>
+          </p:cNvPr>
+          <p:cNvSpPr txBox="1"/>
+          <p:nvPr/>
+        </p:nvSpPr>
+        <p:spPr>
+          <a:xfrm>
+            <a:off x="4492922" y="4329982"/>
+            <a:ext cx="3303917" cy="276999"/>
+          </a:xfrm>
+          <a:prstGeom prst="rect">
+            <a:avLst/>
+          </a:prstGeom>
+          <a:noFill/>
+        </p:spPr>
+        <p:txBody>
+          <a:bodyPr wrap="square" rtlCol="0">
+            <a:spAutoFit/>
+          </a:bodyPr>
+          <a:lstStyle/>
+          <a:p>
+            <a:r>
+              <a:rPr lang="zh-CN" altLang="en-US" sz="1200"/>
+              <a:t>邮箱：</a:t>
+            </a:r>
+          </a:p>
+        </p:txBody>
+      </p:sp>
+      <p:sp>
+        <p:nvSpPr>
+          <p:cNvPr id="23" name="矩形 22">
+            <a:extLst>
+              <a:ext uri="{FF2B5EF4-FFF2-40B4-BE49-F238E27FC236}">
+                <a16:creationId xmlns:a16="http://schemas.microsoft.com/office/drawing/2014/main" id="{490BD6CC-8EAE-EC58-D041-6284F690420F}"/>
+              </a:ext>
+            </a:extLst>
+          </p:cNvPr>
+          <p:cNvSpPr/>
+          <p:nvPr/>
+        </p:nvSpPr>
+        <p:spPr>
+          <a:xfrm>
+            <a:off x="4520243" y="3874233"/>
+            <a:ext cx="3303917" cy="215661"/>
+          </a:xfrm>
+          <a:prstGeom prst="rect">
+            <a:avLst/>
+          </a:prstGeom>
+          <a:noFill/>
+        </p:spPr>
+        <p:style>
+          <a:lnRef idx="2">
+            <a:schemeClr val="accent1">
+              <a:shade val="15000"/>
+            </a:schemeClr>
+          </a:lnRef>
+          <a:fillRef idx="1">
+            <a:schemeClr val="accent1"/>
+          </a:fillRef>
+          <a:effectRef idx="0">
+            <a:schemeClr val="accent1"/>
+          </a:effectRef>
+          <a:fontRef idx="minor">
+            <a:schemeClr val="lt1"/>
+          </a:fontRef>
+        </p:style>
+        <p:txBody>
+          <a:bodyPr rtlCol="0" anchor="ctr"/>
+          <a:lstStyle/>
+          <a:p>
+            <a:pPr algn="ctr"/>
+            <a:endParaRPr lang="zh-CN" altLang="en-US"/>
+          </a:p>
+        </p:txBody>
+      </p:sp>
+      <p:sp>
+        <p:nvSpPr>
+          <p:cNvPr id="25" name="矩形 24">
+            <a:extLst>
+              <a:ext uri="{FF2B5EF4-FFF2-40B4-BE49-F238E27FC236}">
+                <a16:creationId xmlns:a16="http://schemas.microsoft.com/office/drawing/2014/main" id="{75E3535D-F72A-22CA-301E-57BB3EC26C8F}"/>
+              </a:ext>
+            </a:extLst>
+          </p:cNvPr>
+          <p:cNvSpPr/>
+          <p:nvPr/>
+        </p:nvSpPr>
+        <p:spPr>
+          <a:xfrm>
+            <a:off x="4520243" y="4353973"/>
+            <a:ext cx="3303917" cy="215661"/>
+          </a:xfrm>
+          <a:prstGeom prst="rect">
+            <a:avLst/>
+          </a:prstGeom>
+          <a:noFill/>
+        </p:spPr>
+        <p:style>
+          <a:lnRef idx="2">
+            <a:schemeClr val="accent1">
+              <a:shade val="15000"/>
+            </a:schemeClr>
+          </a:lnRef>
+          <a:fillRef idx="1">
+            <a:schemeClr val="accent1"/>
+          </a:fillRef>
+          <a:effectRef idx="0">
+            <a:schemeClr val="accent1"/>
+          </a:effectRef>
+          <a:fontRef idx="minor">
+            <a:schemeClr val="lt1"/>
+          </a:fontRef>
+        </p:style>
+        <p:txBody>
+          <a:bodyPr rtlCol="0" anchor="ctr"/>
+          <a:lstStyle/>
+          <a:p>
+            <a:pPr algn="ctr"/>
+            <a:endParaRPr lang="zh-CN" altLang="en-US"/>
+          </a:p>
+        </p:txBody>
+      </p:sp>
+      <p:sp>
+        <p:nvSpPr>
+          <p:cNvPr id="26" name="矩形 25">
+            <a:extLst>
+              <a:ext uri="{FF2B5EF4-FFF2-40B4-BE49-F238E27FC236}">
+                <a16:creationId xmlns:a16="http://schemas.microsoft.com/office/drawing/2014/main" id="{CBDFBFB4-6A83-C6A4-6F82-7D5FE8A8DC40}"/>
+              </a:ext>
+            </a:extLst>
+          </p:cNvPr>
+          <p:cNvSpPr/>
+          <p:nvPr/>
+        </p:nvSpPr>
+        <p:spPr>
+          <a:xfrm>
+            <a:off x="4520243" y="4776191"/>
+            <a:ext cx="3303917" cy="215661"/>
+          </a:xfrm>
+          <a:prstGeom prst="rect">
+            <a:avLst/>
+          </a:prstGeom>
+          <a:noFill/>
+        </p:spPr>
+        <p:style>
+          <a:lnRef idx="2">
+            <a:schemeClr val="accent1">
+              <a:shade val="15000"/>
+            </a:schemeClr>
+          </a:lnRef>
+          <a:fillRef idx="1">
+            <a:schemeClr val="accent1"/>
+          </a:fillRef>
+          <a:effectRef idx="0">
+            <a:schemeClr val="accent1"/>
+          </a:effectRef>
+          <a:fontRef idx="minor">
+            <a:schemeClr val="lt1"/>
+          </a:fontRef>
+        </p:style>
+        <p:txBody>
+          <a:bodyPr rtlCol="0" anchor="ctr"/>
+          <a:lstStyle/>
+          <a:p>
+            <a:pPr algn="ctr"/>
+            <a:endParaRPr lang="zh-CN" altLang="en-US"/>
+          </a:p>
+        </p:txBody>
+      </p:sp>
+      <p:sp>
+        <p:nvSpPr>
+          <p:cNvPr id="27" name="矩形 26">
+            <a:extLst>
+              <a:ext uri="{FF2B5EF4-FFF2-40B4-BE49-F238E27FC236}">
+                <a16:creationId xmlns:a16="http://schemas.microsoft.com/office/drawing/2014/main" id="{6304028D-12B2-9A2D-0C9C-5B43C48F300D}"/>
+              </a:ext>
+            </a:extLst>
+          </p:cNvPr>
+          <p:cNvSpPr/>
+          <p:nvPr/>
+        </p:nvSpPr>
+        <p:spPr>
+          <a:xfrm>
+            <a:off x="4520243" y="5266425"/>
+            <a:ext cx="3303917" cy="215661"/>
+          </a:xfrm>
+          <a:prstGeom prst="rect">
+            <a:avLst/>
+          </a:prstGeom>
+          <a:noFill/>
+        </p:spPr>
+        <p:style>
+          <a:lnRef idx="2">
+            <a:schemeClr val="accent1">
+              <a:shade val="15000"/>
+            </a:schemeClr>
+          </a:lnRef>
+          <a:fillRef idx="1">
+            <a:schemeClr val="accent1"/>
+          </a:fillRef>
+          <a:effectRef idx="0">
+            <a:schemeClr val="accent1"/>
+          </a:effectRef>
+          <a:fontRef idx="minor">
+            <a:schemeClr val="lt1"/>
+          </a:fontRef>
+        </p:style>
+        <p:txBody>
+          <a:bodyPr rtlCol="0" anchor="ctr"/>
+          <a:lstStyle/>
+          <a:p>
+            <a:pPr algn="ctr"/>
+            <a:endParaRPr lang="zh-CN" altLang="en-US"/>
+          </a:p>
+        </p:txBody>
+      </p:sp>
+    </p:spTree>
+    <p:extLst>
+      <p:ext uri="{BB962C8B-B14F-4D97-AF65-F5344CB8AC3E}">
+        <p14:creationId xmlns:p14="http://schemas.microsoft.com/office/powerpoint/2010/main" val="2165318525"/>
+      </p:ext>
+    </p:extLst>
+  </p:cSld>
+  <p:clrMapOvr>
+    <a:masterClrMapping/>
+  </p:clrMapOvr>
+</p:sld>
+</file>
+
 <file path=ppt/theme/theme1.xml><?xml version="1.0" encoding="utf-8"?>
 <a:theme xmlns:a="http://schemas.openxmlformats.org/drawingml/2006/main" name="Office 主题​​">
   <a:themeElements>

--- a/设计/网页设计.pptx
+++ b/设计/网页设计.pptx
@@ -263,7 +263,7 @@
           <a:p>
             <a:fld id="{82266609-D7C2-EA44-B21B-3FA5DEBB1C12}" type="datetimeFigureOut">
               <a:rPr lang="en-US" altLang="zh-CN"/>
-              <a:t>12/11/2023</a:t>
+              <a:t>12/12/2023</a:t>
             </a:fld>
             <a:endParaRPr lang="zh-CN" altLang="en-US"/>
           </a:p>
@@ -461,7 +461,7 @@
           <a:p>
             <a:fld id="{82266609-D7C2-EA44-B21B-3FA5DEBB1C12}" type="datetimeFigureOut">
               <a:rPr lang="en-US" altLang="zh-CN"/>
-              <a:t>12/11/2023</a:t>
+              <a:t>12/12/2023</a:t>
             </a:fld>
             <a:endParaRPr lang="zh-CN" altLang="en-US"/>
           </a:p>
@@ -669,7 +669,7 @@
           <a:p>
             <a:fld id="{82266609-D7C2-EA44-B21B-3FA5DEBB1C12}" type="datetimeFigureOut">
               <a:rPr lang="en-US" altLang="zh-CN"/>
-              <a:t>12/11/2023</a:t>
+              <a:t>12/12/2023</a:t>
             </a:fld>
             <a:endParaRPr lang="zh-CN" altLang="en-US"/>
           </a:p>
@@ -867,7 +867,7 @@
           <a:p>
             <a:fld id="{82266609-D7C2-EA44-B21B-3FA5DEBB1C12}" type="datetimeFigureOut">
               <a:rPr lang="en-US" altLang="zh-CN"/>
-              <a:t>12/11/2023</a:t>
+              <a:t>12/12/2023</a:t>
             </a:fld>
             <a:endParaRPr lang="zh-CN" altLang="en-US"/>
           </a:p>
@@ -1142,7 +1142,7 @@
           <a:p>
             <a:fld id="{82266609-D7C2-EA44-B21B-3FA5DEBB1C12}" type="datetimeFigureOut">
               <a:rPr lang="en-US" altLang="zh-CN"/>
-              <a:t>12/11/2023</a:t>
+              <a:t>12/12/2023</a:t>
             </a:fld>
             <a:endParaRPr lang="zh-CN" altLang="en-US"/>
           </a:p>
@@ -1407,7 +1407,7 @@
           <a:p>
             <a:fld id="{82266609-D7C2-EA44-B21B-3FA5DEBB1C12}" type="datetimeFigureOut">
               <a:rPr lang="en-US" altLang="zh-CN"/>
-              <a:t>12/11/2023</a:t>
+              <a:t>12/12/2023</a:t>
             </a:fld>
             <a:endParaRPr lang="zh-CN" altLang="en-US"/>
           </a:p>
@@ -1819,7 +1819,7 @@
           <a:p>
             <a:fld id="{82266609-D7C2-EA44-B21B-3FA5DEBB1C12}" type="datetimeFigureOut">
               <a:rPr lang="en-US" altLang="zh-CN"/>
-              <a:t>12/11/2023</a:t>
+              <a:t>12/12/2023</a:t>
             </a:fld>
             <a:endParaRPr lang="zh-CN" altLang="en-US"/>
           </a:p>
@@ -1960,7 +1960,7 @@
           <a:p>
             <a:fld id="{82266609-D7C2-EA44-B21B-3FA5DEBB1C12}" type="datetimeFigureOut">
               <a:rPr lang="en-US" altLang="zh-CN"/>
-              <a:t>12/11/2023</a:t>
+              <a:t>12/12/2023</a:t>
             </a:fld>
             <a:endParaRPr lang="zh-CN" altLang="en-US"/>
           </a:p>
@@ -2073,7 +2073,7 @@
           <a:p>
             <a:fld id="{82266609-D7C2-EA44-B21B-3FA5DEBB1C12}" type="datetimeFigureOut">
               <a:rPr lang="en-US" altLang="zh-CN"/>
-              <a:t>12/11/2023</a:t>
+              <a:t>12/12/2023</a:t>
             </a:fld>
             <a:endParaRPr lang="zh-CN" altLang="en-US"/>
           </a:p>
@@ -2384,7 +2384,7 @@
           <a:p>
             <a:fld id="{82266609-D7C2-EA44-B21B-3FA5DEBB1C12}" type="datetimeFigureOut">
               <a:rPr lang="en-US" altLang="zh-CN"/>
-              <a:t>12/11/2023</a:t>
+              <a:t>12/12/2023</a:t>
             </a:fld>
             <a:endParaRPr lang="zh-CN" altLang="en-US"/>
           </a:p>
@@ -2672,7 +2672,7 @@
           <a:p>
             <a:fld id="{82266609-D7C2-EA44-B21B-3FA5DEBB1C12}" type="datetimeFigureOut">
               <a:rPr lang="en-US" altLang="zh-CN"/>
-              <a:t>12/11/2023</a:t>
+              <a:t>12/12/2023</a:t>
             </a:fld>
             <a:endParaRPr lang="zh-CN" altLang="en-US"/>
           </a:p>
@@ -2913,7 +2913,7 @@
           <a:p>
             <a:fld id="{82266609-D7C2-EA44-B21B-3FA5DEBB1C12}" type="datetimeFigureOut">
               <a:rPr lang="en-US" altLang="zh-CN"/>
-              <a:t>12/11/2023</a:t>
+              <a:t>12/12/2023</a:t>
             </a:fld>
             <a:endParaRPr lang="zh-CN" altLang="en-US"/>
           </a:p>
@@ -7922,7 +7922,7 @@
           <a:p>
             <a:r>
               <a:rPr lang="zh-CN" altLang="en-US" sz="1200"/>
-              <a:t>粉丝</a:t>
+              <a:t>发布</a:t>
             </a:r>
           </a:p>
         </p:txBody>

--- a/设计/网页设计.pptx
+++ b/设计/网页设计.pptx
@@ -10,6 +10,7 @@
     <p:sldId id="258" r:id="rId4"/>
     <p:sldId id="259" r:id="rId5"/>
     <p:sldId id="260" r:id="rId6"/>
+    <p:sldId id="261" r:id="rId7"/>
   </p:sldIdLst>
   <p:sldSz cx="12192000" cy="6858000"/>
   <p:notesSz cx="6858000" cy="9144000"/>
@@ -263,7 +264,7 @@
           <a:p>
             <a:fld id="{82266609-D7C2-EA44-B21B-3FA5DEBB1C12}" type="datetimeFigureOut">
               <a:rPr lang="en-US" altLang="zh-CN"/>
-              <a:t>12/12/2023</a:t>
+              <a:t>12/14/2023</a:t>
             </a:fld>
             <a:endParaRPr lang="zh-CN" altLang="en-US"/>
           </a:p>
@@ -461,7 +462,7 @@
           <a:p>
             <a:fld id="{82266609-D7C2-EA44-B21B-3FA5DEBB1C12}" type="datetimeFigureOut">
               <a:rPr lang="en-US" altLang="zh-CN"/>
-              <a:t>12/12/2023</a:t>
+              <a:t>12/14/2023</a:t>
             </a:fld>
             <a:endParaRPr lang="zh-CN" altLang="en-US"/>
           </a:p>
@@ -669,7 +670,7 @@
           <a:p>
             <a:fld id="{82266609-D7C2-EA44-B21B-3FA5DEBB1C12}" type="datetimeFigureOut">
               <a:rPr lang="en-US" altLang="zh-CN"/>
-              <a:t>12/12/2023</a:t>
+              <a:t>12/14/2023</a:t>
             </a:fld>
             <a:endParaRPr lang="zh-CN" altLang="en-US"/>
           </a:p>
@@ -867,7 +868,7 @@
           <a:p>
             <a:fld id="{82266609-D7C2-EA44-B21B-3FA5DEBB1C12}" type="datetimeFigureOut">
               <a:rPr lang="en-US" altLang="zh-CN"/>
-              <a:t>12/12/2023</a:t>
+              <a:t>12/14/2023</a:t>
             </a:fld>
             <a:endParaRPr lang="zh-CN" altLang="en-US"/>
           </a:p>
@@ -1142,7 +1143,7 @@
           <a:p>
             <a:fld id="{82266609-D7C2-EA44-B21B-3FA5DEBB1C12}" type="datetimeFigureOut">
               <a:rPr lang="en-US" altLang="zh-CN"/>
-              <a:t>12/12/2023</a:t>
+              <a:t>12/14/2023</a:t>
             </a:fld>
             <a:endParaRPr lang="zh-CN" altLang="en-US"/>
           </a:p>
@@ -1407,7 +1408,7 @@
           <a:p>
             <a:fld id="{82266609-D7C2-EA44-B21B-3FA5DEBB1C12}" type="datetimeFigureOut">
               <a:rPr lang="en-US" altLang="zh-CN"/>
-              <a:t>12/12/2023</a:t>
+              <a:t>12/14/2023</a:t>
             </a:fld>
             <a:endParaRPr lang="zh-CN" altLang="en-US"/>
           </a:p>
@@ -1819,7 +1820,7 @@
           <a:p>
             <a:fld id="{82266609-D7C2-EA44-B21B-3FA5DEBB1C12}" type="datetimeFigureOut">
               <a:rPr lang="en-US" altLang="zh-CN"/>
-              <a:t>12/12/2023</a:t>
+              <a:t>12/14/2023</a:t>
             </a:fld>
             <a:endParaRPr lang="zh-CN" altLang="en-US"/>
           </a:p>
@@ -1960,7 +1961,7 @@
           <a:p>
             <a:fld id="{82266609-D7C2-EA44-B21B-3FA5DEBB1C12}" type="datetimeFigureOut">
               <a:rPr lang="en-US" altLang="zh-CN"/>
-              <a:t>12/12/2023</a:t>
+              <a:t>12/14/2023</a:t>
             </a:fld>
             <a:endParaRPr lang="zh-CN" altLang="en-US"/>
           </a:p>
@@ -2073,7 +2074,7 @@
           <a:p>
             <a:fld id="{82266609-D7C2-EA44-B21B-3FA5DEBB1C12}" type="datetimeFigureOut">
               <a:rPr lang="en-US" altLang="zh-CN"/>
-              <a:t>12/12/2023</a:t>
+              <a:t>12/14/2023</a:t>
             </a:fld>
             <a:endParaRPr lang="zh-CN" altLang="en-US"/>
           </a:p>
@@ -2384,7 +2385,7 @@
           <a:p>
             <a:fld id="{82266609-D7C2-EA44-B21B-3FA5DEBB1C12}" type="datetimeFigureOut">
               <a:rPr lang="en-US" altLang="zh-CN"/>
-              <a:t>12/12/2023</a:t>
+              <a:t>12/14/2023</a:t>
             </a:fld>
             <a:endParaRPr lang="zh-CN" altLang="en-US"/>
           </a:p>
@@ -2672,7 +2673,7 @@
           <a:p>
             <a:fld id="{82266609-D7C2-EA44-B21B-3FA5DEBB1C12}" type="datetimeFigureOut">
               <a:rPr lang="en-US" altLang="zh-CN"/>
-              <a:t>12/12/2023</a:t>
+              <a:t>12/14/2023</a:t>
             </a:fld>
             <a:endParaRPr lang="zh-CN" altLang="en-US"/>
           </a:p>
@@ -2913,7 +2914,7 @@
           <a:p>
             <a:fld id="{82266609-D7C2-EA44-B21B-3FA5DEBB1C12}" type="datetimeFigureOut">
               <a:rPr lang="en-US" altLang="zh-CN"/>
-              <a:t>12/12/2023</a:t>
+              <a:t>12/14/2023</a:t>
             </a:fld>
             <a:endParaRPr lang="zh-CN" altLang="en-US"/>
           </a:p>
@@ -8307,6 +8308,36 @@
 </p:sld>
 </file>
 
+<file path=ppt/slides/slide6.xml><?xml version="1.0" encoding="utf-8"?>
+<p:sld xmlns:a="http://schemas.openxmlformats.org/drawingml/2006/main" xmlns:r="http://schemas.openxmlformats.org/officeDocument/2006/relationships" xmlns:p="http://schemas.openxmlformats.org/presentationml/2006/main">
+  <p:cSld>
+    <p:spTree>
+      <p:nvGrpSpPr>
+        <p:cNvPr id="1" name=""/>
+        <p:cNvGrpSpPr/>
+        <p:nvPr/>
+      </p:nvGrpSpPr>
+      <p:grpSpPr>
+        <a:xfrm>
+          <a:off x="0" y="0"/>
+          <a:ext cx="0" cy="0"/>
+          <a:chOff x="0" y="0"/>
+          <a:chExt cx="0" cy="0"/>
+        </a:xfrm>
+      </p:grpSpPr>
+    </p:spTree>
+    <p:extLst>
+      <p:ext uri="{BB962C8B-B14F-4D97-AF65-F5344CB8AC3E}">
+        <p14:creationId xmlns:p14="http://schemas.microsoft.com/office/powerpoint/2010/main" val="1316826088"/>
+      </p:ext>
+    </p:extLst>
+  </p:cSld>
+  <p:clrMapOvr>
+    <a:masterClrMapping/>
+  </p:clrMapOvr>
+</p:sld>
+</file>
+
 <file path=ppt/theme/theme1.xml><?xml version="1.0" encoding="utf-8"?>
 <a:theme xmlns:a="http://schemas.openxmlformats.org/drawingml/2006/main" name="Office 主题​​">
   <a:themeElements>
